--- a/git_gitflow _black_edition.pptx
+++ b/git_gitflow _black_edition.pptx
@@ -4234,7 +4234,7 @@
           </a:ln>
           <a:extLst>
             <a:ext uri="{C572A759-6A51-4108-AA02-DFA0A04FC94B}">
-              <ma14:wrappingTextBoxFlag xmlns:ma14="http://schemas.microsoft.com/office/mac/drawingml/2011/main" xmlns:a14="http://schemas.microsoft.com/office/drawing/2010/main" xmlns:m="http://schemas.openxmlformats.org/officeDocument/2006/math" xmlns="" val="1"/>
+              <ma14:wrappingTextBoxFlag xmlns="" xmlns:m="http://schemas.openxmlformats.org/officeDocument/2006/math" xmlns:a14="http://schemas.microsoft.com/office/drawing/2010/main" xmlns:ma14="http://schemas.microsoft.com/office/mac/drawingml/2011/main" val="1"/>
             </a:ext>
           </a:extLst>
         </p:spPr>
@@ -4273,7 +4273,7 @@
           </a:ln>
           <a:extLst>
             <a:ext uri="{C572A759-6A51-4108-AA02-DFA0A04FC94B}">
-              <ma14:wrappingTextBoxFlag xmlns:ma14="http://schemas.microsoft.com/office/mac/drawingml/2011/main" xmlns:a14="http://schemas.microsoft.com/office/drawing/2010/main" xmlns:m="http://schemas.openxmlformats.org/officeDocument/2006/math" xmlns="" val="1"/>
+              <ma14:wrappingTextBoxFlag xmlns="" xmlns:m="http://schemas.openxmlformats.org/officeDocument/2006/math" xmlns:a14="http://schemas.microsoft.com/office/drawing/2010/main" xmlns:ma14="http://schemas.microsoft.com/office/mac/drawingml/2011/main" val="1"/>
             </a:ext>
           </a:extLst>
         </p:spPr>
@@ -5418,7 +5418,7 @@
           </a:ln>
           <a:extLst>
             <a:ext uri="{C572A759-6A51-4108-AA02-DFA0A04FC94B}">
-              <ma14:wrappingTextBoxFlag xmlns:ma14="http://schemas.microsoft.com/office/mac/drawingml/2011/main" xmlns:a14="http://schemas.microsoft.com/office/drawing/2010/main" xmlns:m="http://schemas.openxmlformats.org/officeDocument/2006/math" xmlns="" val="1"/>
+              <ma14:wrappingTextBoxFlag xmlns="" xmlns:m="http://schemas.openxmlformats.org/officeDocument/2006/math" xmlns:a14="http://schemas.microsoft.com/office/drawing/2010/main" xmlns:ma14="http://schemas.microsoft.com/office/mac/drawingml/2011/main" val="1"/>
             </a:ext>
           </a:extLst>
         </p:spPr>
@@ -5477,7 +5477,7 @@
         <p:spPr>
           <a:xfrm>
             <a:off x="1890203" y="3636750"/>
-            <a:ext cx="1079781" cy="338554"/>
+            <a:ext cx="2031964" cy="338554"/>
           </a:xfrm>
           <a:prstGeom prst="rect">
             <a:avLst/>
@@ -5487,7 +5487,7 @@
           </a:ln>
           <a:extLst>
             <a:ext uri="{C572A759-6A51-4108-AA02-DFA0A04FC94B}">
-              <ma14:wrappingTextBoxFlag xmlns:ma14="http://schemas.microsoft.com/office/mac/drawingml/2011/main" xmlns:a14="http://schemas.microsoft.com/office/drawing/2010/main" xmlns:m="http://schemas.openxmlformats.org/officeDocument/2006/math" xmlns="" val="1"/>
+              <ma14:wrappingTextBoxFlag xmlns="" xmlns:m="http://schemas.openxmlformats.org/officeDocument/2006/math" xmlns:a14="http://schemas.microsoft.com/office/drawing/2010/main" xmlns:ma14="http://schemas.microsoft.com/office/mac/drawingml/2011/main" val="1"/>
             </a:ext>
           </a:extLst>
         </p:spPr>
@@ -5515,7 +5515,7 @@
                   <a:schemeClr val="bg1"/>
                 </a:solidFill>
               </a:rPr>
-              <a:t>Introdução</a:t>
+              <a:t>Introdução – 05/2021</a:t>
             </a:r>
             <a:endParaRPr dirty="0">
               <a:solidFill>
@@ -5681,6 +5681,53 @@
           </a:p>
         </p:txBody>
       </p:sp>
+      <p:pic>
+        <p:nvPicPr>
+          <p:cNvPr id="1026" name="Picture 2">
+            <a:extLst>
+              <a:ext uri="{FF2B5EF4-FFF2-40B4-BE49-F238E27FC236}">
+                <a16:creationId xmlns:a16="http://schemas.microsoft.com/office/drawing/2014/main" id="{838AC90E-0AF4-4D70-9A9D-05EED63F1669}"/>
+              </a:ext>
+            </a:extLst>
+          </p:cNvPr>
+          <p:cNvPicPr>
+            <a:picLocks noChangeAspect="1" noChangeArrowheads="1"/>
+          </p:cNvPicPr>
+          <p:nvPr/>
+        </p:nvPicPr>
+        <p:blipFill>
+          <a:blip r:embed="rId2">
+            <a:extLst>
+              <a:ext uri="{28A0092B-C50C-407E-A947-70E740481C1C}">
+                <a14:useLocalDpi xmlns:a14="http://schemas.microsoft.com/office/drawing/2010/main" val="0"/>
+              </a:ext>
+            </a:extLst>
+          </a:blip>
+          <a:srcRect/>
+          <a:stretch>
+            <a:fillRect/>
+          </a:stretch>
+        </p:blipFill>
+        <p:spPr bwMode="auto">
+          <a:xfrm>
+            <a:off x="42783" y="0"/>
+            <a:ext cx="2552700" cy="1514475"/>
+          </a:xfrm>
+          <a:prstGeom prst="rect">
+            <a:avLst/>
+          </a:prstGeom>
+          <a:noFill/>
+          <a:extLst>
+            <a:ext uri="{909E8E84-426E-40DD-AFC4-6F175D3DCCD1}">
+              <a14:hiddenFill xmlns:a14="http://schemas.microsoft.com/office/drawing/2010/main">
+                <a:solidFill>
+                  <a:srgbClr val="FFFFFF"/>
+                </a:solidFill>
+              </a14:hiddenFill>
+            </a:ext>
+          </a:extLst>
+        </p:spPr>
+      </p:pic>
     </p:spTree>
   </p:cSld>
   <p:clrMapOvr>
@@ -5732,7 +5779,7 @@
           </a:ln>
           <a:extLst>
             <a:ext uri="{C572A759-6A51-4108-AA02-DFA0A04FC94B}">
-              <ma14:wrappingTextBoxFlag xmlns="" xmlns:m="http://schemas.openxmlformats.org/officeDocument/2006/math" xmlns:a14="http://schemas.microsoft.com/office/drawing/2010/main" xmlns:ma14="http://schemas.microsoft.com/office/mac/drawingml/2011/main" val="1"/>
+              <ma14:wrappingTextBoxFlag xmlns:ma14="http://schemas.microsoft.com/office/mac/drawingml/2011/main" xmlns:a14="http://schemas.microsoft.com/office/drawing/2010/main" xmlns:m="http://schemas.openxmlformats.org/officeDocument/2006/math" xmlns="" val="1"/>
             </a:ext>
           </a:extLst>
         </p:spPr>
@@ -5783,7 +5830,7 @@
           </a:ln>
           <a:extLst>
             <a:ext uri="{C572A759-6A51-4108-AA02-DFA0A04FC94B}">
-              <ma14:wrappingTextBoxFlag xmlns="" xmlns:m="http://schemas.openxmlformats.org/officeDocument/2006/math" xmlns:a14="http://schemas.microsoft.com/office/drawing/2010/main" xmlns:ma14="http://schemas.microsoft.com/office/mac/drawingml/2011/main" val="1"/>
+              <ma14:wrappingTextBoxFlag xmlns:ma14="http://schemas.microsoft.com/office/mac/drawingml/2011/main" xmlns:a14="http://schemas.microsoft.com/office/drawing/2010/main" xmlns:m="http://schemas.openxmlformats.org/officeDocument/2006/math" xmlns="" val="1"/>
             </a:ext>
           </a:extLst>
         </p:spPr>
@@ -5838,7 +5885,7 @@
           </a:ln>
           <a:extLst>
             <a:ext uri="{C572A759-6A51-4108-AA02-DFA0A04FC94B}">
-              <ma14:wrappingTextBoxFlag xmlns="" xmlns:m="http://schemas.openxmlformats.org/officeDocument/2006/math" xmlns:a14="http://schemas.microsoft.com/office/drawing/2010/main" xmlns:ma14="http://schemas.microsoft.com/office/mac/drawingml/2011/main" val="1"/>
+              <ma14:wrappingTextBoxFlag xmlns:ma14="http://schemas.microsoft.com/office/mac/drawingml/2011/main" xmlns:a14="http://schemas.microsoft.com/office/drawing/2010/main" xmlns:m="http://schemas.openxmlformats.org/officeDocument/2006/math" xmlns="" val="1"/>
             </a:ext>
           </a:extLst>
         </p:spPr>
@@ -6019,7 +6066,7 @@
           </a:ln>
           <a:extLst>
             <a:ext uri="{C572A759-6A51-4108-AA02-DFA0A04FC94B}">
-              <ma14:wrappingTextBoxFlag xmlns:ma14="http://schemas.microsoft.com/office/mac/drawingml/2011/main" xmlns:a14="http://schemas.microsoft.com/office/drawing/2010/main" xmlns:m="http://schemas.openxmlformats.org/officeDocument/2006/math" xmlns="" val="1"/>
+              <ma14:wrappingTextBoxFlag xmlns="" xmlns:m="http://schemas.openxmlformats.org/officeDocument/2006/math" xmlns:a14="http://schemas.microsoft.com/office/drawing/2010/main" xmlns:ma14="http://schemas.microsoft.com/office/mac/drawingml/2011/main" val="1"/>
             </a:ext>
           </a:extLst>
         </p:spPr>
@@ -6082,7 +6129,7 @@
           </a:ln>
           <a:extLst>
             <a:ext uri="{C572A759-6A51-4108-AA02-DFA0A04FC94B}">
-              <ma14:wrappingTextBoxFlag xmlns:ma14="http://schemas.microsoft.com/office/mac/drawingml/2011/main" xmlns:a14="http://schemas.microsoft.com/office/drawing/2010/main" xmlns:m="http://schemas.openxmlformats.org/officeDocument/2006/math" xmlns="" val="1"/>
+              <ma14:wrappingTextBoxFlag xmlns="" xmlns:m="http://schemas.openxmlformats.org/officeDocument/2006/math" xmlns:a14="http://schemas.microsoft.com/office/drawing/2010/main" xmlns:ma14="http://schemas.microsoft.com/office/mac/drawingml/2011/main" val="1"/>
             </a:ext>
           </a:extLst>
         </p:spPr>
@@ -6212,7 +6259,7 @@
           </a:ln>
           <a:extLst>
             <a:ext uri="{C572A759-6A51-4108-AA02-DFA0A04FC94B}">
-              <ma14:wrappingTextBoxFlag xmlns:ma14="http://schemas.microsoft.com/office/mac/drawingml/2011/main" xmlns:a14="http://schemas.microsoft.com/office/drawing/2010/main" xmlns:m="http://schemas.openxmlformats.org/officeDocument/2006/math" xmlns="" val="1"/>
+              <ma14:wrappingTextBoxFlag xmlns="" xmlns:m="http://schemas.openxmlformats.org/officeDocument/2006/math" xmlns:a14="http://schemas.microsoft.com/office/drawing/2010/main" xmlns:ma14="http://schemas.microsoft.com/office/mac/drawingml/2011/main" val="1"/>
             </a:ext>
           </a:extLst>
         </p:spPr>
@@ -6267,7 +6314,7 @@
           </a:ln>
           <a:extLst>
             <a:ext uri="{C572A759-6A51-4108-AA02-DFA0A04FC94B}">
-              <ma14:wrappingTextBoxFlag xmlns:ma14="http://schemas.microsoft.com/office/mac/drawingml/2011/main" xmlns:a14="http://schemas.microsoft.com/office/drawing/2010/main" xmlns:m="http://schemas.openxmlformats.org/officeDocument/2006/math" xmlns="" val="1"/>
+              <ma14:wrappingTextBoxFlag xmlns="" xmlns:m="http://schemas.openxmlformats.org/officeDocument/2006/math" xmlns:a14="http://schemas.microsoft.com/office/drawing/2010/main" xmlns:ma14="http://schemas.microsoft.com/office/mac/drawingml/2011/main" val="1"/>
             </a:ext>
           </a:extLst>
         </p:spPr>
@@ -6424,7 +6471,7 @@
           </a:ln>
           <a:extLst>
             <a:ext uri="{C572A759-6A51-4108-AA02-DFA0A04FC94B}">
-              <ma14:wrappingTextBoxFlag xmlns="" xmlns:m="http://schemas.openxmlformats.org/officeDocument/2006/math" xmlns:a14="http://schemas.microsoft.com/office/drawing/2010/main" xmlns:ma14="http://schemas.microsoft.com/office/mac/drawingml/2011/main" val="1"/>
+              <ma14:wrappingTextBoxFlag xmlns:ma14="http://schemas.microsoft.com/office/mac/drawingml/2011/main" xmlns:a14="http://schemas.microsoft.com/office/drawing/2010/main" xmlns:m="http://schemas.openxmlformats.org/officeDocument/2006/math" xmlns="" val="1"/>
             </a:ext>
           </a:extLst>
         </p:spPr>
@@ -6479,7 +6526,7 @@
           </a:ln>
           <a:extLst>
             <a:ext uri="{C572A759-6A51-4108-AA02-DFA0A04FC94B}">
-              <ma14:wrappingTextBoxFlag xmlns="" xmlns:m="http://schemas.openxmlformats.org/officeDocument/2006/math" xmlns:a14="http://schemas.microsoft.com/office/drawing/2010/main" xmlns:ma14="http://schemas.microsoft.com/office/mac/drawingml/2011/main" val="1"/>
+              <ma14:wrappingTextBoxFlag xmlns:ma14="http://schemas.microsoft.com/office/mac/drawingml/2011/main" xmlns:a14="http://schemas.microsoft.com/office/drawing/2010/main" xmlns:m="http://schemas.openxmlformats.org/officeDocument/2006/math" xmlns="" val="1"/>
             </a:ext>
           </a:extLst>
         </p:spPr>
@@ -6648,7 +6695,7 @@
           </a:ln>
           <a:extLst>
             <a:ext uri="{C572A759-6A51-4108-AA02-DFA0A04FC94B}">
-              <ma14:wrappingTextBoxFlag xmlns:ma14="http://schemas.microsoft.com/office/mac/drawingml/2011/main" xmlns:a14="http://schemas.microsoft.com/office/drawing/2010/main" xmlns:m="http://schemas.openxmlformats.org/officeDocument/2006/math" xmlns="" val="1"/>
+              <ma14:wrappingTextBoxFlag xmlns="" xmlns:m="http://schemas.openxmlformats.org/officeDocument/2006/math" xmlns:a14="http://schemas.microsoft.com/office/drawing/2010/main" xmlns:ma14="http://schemas.microsoft.com/office/mac/drawingml/2011/main" val="1"/>
             </a:ext>
           </a:extLst>
         </p:spPr>
@@ -6703,7 +6750,7 @@
           </a:ln>
           <a:extLst>
             <a:ext uri="{C572A759-6A51-4108-AA02-DFA0A04FC94B}">
-              <ma14:wrappingTextBoxFlag xmlns:ma14="http://schemas.microsoft.com/office/mac/drawingml/2011/main" xmlns:a14="http://schemas.microsoft.com/office/drawing/2010/main" xmlns:m="http://schemas.openxmlformats.org/officeDocument/2006/math" xmlns="" val="1"/>
+              <ma14:wrappingTextBoxFlag xmlns="" xmlns:m="http://schemas.openxmlformats.org/officeDocument/2006/math" xmlns:a14="http://schemas.microsoft.com/office/drawing/2010/main" xmlns:ma14="http://schemas.microsoft.com/office/mac/drawingml/2011/main" val="1"/>
             </a:ext>
           </a:extLst>
         </p:spPr>
@@ -6840,7 +6887,7 @@
           </a:ln>
           <a:extLst>
             <a:ext uri="{C572A759-6A51-4108-AA02-DFA0A04FC94B}">
-              <ma14:wrappingTextBoxFlag xmlns:ma14="http://schemas.microsoft.com/office/mac/drawingml/2011/main" xmlns:a14="http://schemas.microsoft.com/office/drawing/2010/main" xmlns:m="http://schemas.openxmlformats.org/officeDocument/2006/math" xmlns="" val="1"/>
+              <ma14:wrappingTextBoxFlag xmlns="" xmlns:m="http://schemas.openxmlformats.org/officeDocument/2006/math" xmlns:a14="http://schemas.microsoft.com/office/drawing/2010/main" xmlns:ma14="http://schemas.microsoft.com/office/mac/drawingml/2011/main" val="1"/>
             </a:ext>
           </a:extLst>
         </p:spPr>
@@ -6894,7 +6941,7 @@
           </a:ln>
           <a:extLst>
             <a:ext uri="{C572A759-6A51-4108-AA02-DFA0A04FC94B}">
-              <ma14:wrappingTextBoxFlag xmlns:ma14="http://schemas.microsoft.com/office/mac/drawingml/2011/main" xmlns:a14="http://schemas.microsoft.com/office/drawing/2010/main" xmlns:m="http://schemas.openxmlformats.org/officeDocument/2006/math" xmlns="" val="1"/>
+              <ma14:wrappingTextBoxFlag xmlns="" xmlns:m="http://schemas.openxmlformats.org/officeDocument/2006/math" xmlns:a14="http://schemas.microsoft.com/office/drawing/2010/main" xmlns:ma14="http://schemas.microsoft.com/office/mac/drawingml/2011/main" val="1"/>
             </a:ext>
           </a:extLst>
         </p:spPr>
@@ -7218,7 +7265,7 @@
           </a:ln>
           <a:extLst>
             <a:ext uri="{C572A759-6A51-4108-AA02-DFA0A04FC94B}">
-              <ma14:wrappingTextBoxFlag xmlns="" xmlns:m="http://schemas.openxmlformats.org/officeDocument/2006/math" xmlns:a14="http://schemas.microsoft.com/office/drawing/2010/main" xmlns:ma14="http://schemas.microsoft.com/office/mac/drawingml/2011/main" val="1"/>
+              <ma14:wrappingTextBoxFlag xmlns:ma14="http://schemas.microsoft.com/office/mac/drawingml/2011/main" xmlns:a14="http://schemas.microsoft.com/office/drawing/2010/main" xmlns:m="http://schemas.openxmlformats.org/officeDocument/2006/math" xmlns="" val="1"/>
             </a:ext>
           </a:extLst>
         </p:spPr>
@@ -7324,7 +7371,7 @@
           </a:ln>
           <a:extLst>
             <a:ext uri="{C572A759-6A51-4108-AA02-DFA0A04FC94B}">
-              <ma14:wrappingTextBoxFlag xmlns="" xmlns:m="http://schemas.openxmlformats.org/officeDocument/2006/math" xmlns:a14="http://schemas.microsoft.com/office/drawing/2010/main" xmlns:ma14="http://schemas.microsoft.com/office/mac/drawingml/2011/main" val="1"/>
+              <ma14:wrappingTextBoxFlag xmlns:ma14="http://schemas.microsoft.com/office/mac/drawingml/2011/main" xmlns:a14="http://schemas.microsoft.com/office/drawing/2010/main" xmlns:m="http://schemas.openxmlformats.org/officeDocument/2006/math" xmlns="" val="1"/>
             </a:ext>
           </a:extLst>
         </p:spPr>
@@ -7378,7 +7425,7 @@
           </a:ln>
           <a:extLst>
             <a:ext uri="{C572A759-6A51-4108-AA02-DFA0A04FC94B}">
-              <ma14:wrappingTextBoxFlag xmlns="" xmlns:m="http://schemas.openxmlformats.org/officeDocument/2006/math" xmlns:a14="http://schemas.microsoft.com/office/drawing/2010/main" xmlns:ma14="http://schemas.microsoft.com/office/mac/drawingml/2011/main" val="1"/>
+              <ma14:wrappingTextBoxFlag xmlns:ma14="http://schemas.microsoft.com/office/mac/drawingml/2011/main" xmlns:a14="http://schemas.microsoft.com/office/drawing/2010/main" xmlns:m="http://schemas.openxmlformats.org/officeDocument/2006/math" xmlns="" val="1"/>
             </a:ext>
           </a:extLst>
         </p:spPr>
@@ -7703,7 +7750,7 @@
           </a:ln>
           <a:extLst>
             <a:ext uri="{C572A759-6A51-4108-AA02-DFA0A04FC94B}">
-              <ma14:wrappingTextBoxFlag xmlns:ma14="http://schemas.microsoft.com/office/mac/drawingml/2011/main" xmlns:a14="http://schemas.microsoft.com/office/drawing/2010/main" xmlns:m="http://schemas.openxmlformats.org/officeDocument/2006/math" xmlns="" val="1"/>
+              <ma14:wrappingTextBoxFlag xmlns="" xmlns:m="http://schemas.openxmlformats.org/officeDocument/2006/math" xmlns:a14="http://schemas.microsoft.com/office/drawing/2010/main" xmlns:ma14="http://schemas.microsoft.com/office/mac/drawingml/2011/main" val="1"/>
             </a:ext>
           </a:extLst>
         </p:spPr>
@@ -7797,7 +7844,7 @@
           </a:ln>
           <a:extLst>
             <a:ext uri="{C572A759-6A51-4108-AA02-DFA0A04FC94B}">
-              <ma14:wrappingTextBoxFlag xmlns:ma14="http://schemas.microsoft.com/office/mac/drawingml/2011/main" xmlns:a14="http://schemas.microsoft.com/office/drawing/2010/main" xmlns:m="http://schemas.openxmlformats.org/officeDocument/2006/math" xmlns="" val="1"/>
+              <ma14:wrappingTextBoxFlag xmlns="" xmlns:m="http://schemas.openxmlformats.org/officeDocument/2006/math" xmlns:a14="http://schemas.microsoft.com/office/drawing/2010/main" xmlns:ma14="http://schemas.microsoft.com/office/mac/drawingml/2011/main" val="1"/>
             </a:ext>
           </a:extLst>
         </p:spPr>
@@ -7851,7 +7898,7 @@
           </a:ln>
           <a:extLst>
             <a:ext uri="{C572A759-6A51-4108-AA02-DFA0A04FC94B}">
-              <ma14:wrappingTextBoxFlag xmlns:ma14="http://schemas.microsoft.com/office/mac/drawingml/2011/main" xmlns:a14="http://schemas.microsoft.com/office/drawing/2010/main" xmlns:m="http://schemas.openxmlformats.org/officeDocument/2006/math" xmlns="" val="1"/>
+              <ma14:wrappingTextBoxFlag xmlns="" xmlns:m="http://schemas.openxmlformats.org/officeDocument/2006/math" xmlns:a14="http://schemas.microsoft.com/office/drawing/2010/main" xmlns:ma14="http://schemas.microsoft.com/office/mac/drawingml/2011/main" val="1"/>
             </a:ext>
           </a:extLst>
         </p:spPr>
@@ -8003,7 +8050,7 @@
           </a:ln>
           <a:extLst>
             <a:ext uri="{C572A759-6A51-4108-AA02-DFA0A04FC94B}">
-              <ma14:wrappingTextBoxFlag xmlns="" xmlns:m="http://schemas.openxmlformats.org/officeDocument/2006/math" xmlns:a14="http://schemas.microsoft.com/office/drawing/2010/main" xmlns:ma14="http://schemas.microsoft.com/office/mac/drawingml/2011/main" val="1"/>
+              <ma14:wrappingTextBoxFlag xmlns:ma14="http://schemas.microsoft.com/office/mac/drawingml/2011/main" xmlns:a14="http://schemas.microsoft.com/office/drawing/2010/main" xmlns:m="http://schemas.openxmlformats.org/officeDocument/2006/math" xmlns="" val="1"/>
             </a:ext>
           </a:extLst>
         </p:spPr>
@@ -8097,7 +8144,7 @@
           </a:ln>
           <a:extLst>
             <a:ext uri="{C572A759-6A51-4108-AA02-DFA0A04FC94B}">
-              <ma14:wrappingTextBoxFlag xmlns="" xmlns:m="http://schemas.openxmlformats.org/officeDocument/2006/math" xmlns:a14="http://schemas.microsoft.com/office/drawing/2010/main" xmlns:ma14="http://schemas.microsoft.com/office/mac/drawingml/2011/main" val="1"/>
+              <ma14:wrappingTextBoxFlag xmlns:ma14="http://schemas.microsoft.com/office/mac/drawingml/2011/main" xmlns:a14="http://schemas.microsoft.com/office/drawing/2010/main" xmlns:m="http://schemas.openxmlformats.org/officeDocument/2006/math" xmlns="" val="1"/>
             </a:ext>
           </a:extLst>
         </p:spPr>
@@ -8151,7 +8198,7 @@
           </a:ln>
           <a:extLst>
             <a:ext uri="{C572A759-6A51-4108-AA02-DFA0A04FC94B}">
-              <ma14:wrappingTextBoxFlag xmlns="" xmlns:m="http://schemas.openxmlformats.org/officeDocument/2006/math" xmlns:a14="http://schemas.microsoft.com/office/drawing/2010/main" xmlns:ma14="http://schemas.microsoft.com/office/mac/drawingml/2011/main" val="1"/>
+              <ma14:wrappingTextBoxFlag xmlns:ma14="http://schemas.microsoft.com/office/mac/drawingml/2011/main" xmlns:a14="http://schemas.microsoft.com/office/drawing/2010/main" xmlns:m="http://schemas.openxmlformats.org/officeDocument/2006/math" xmlns="" val="1"/>
             </a:ext>
           </a:extLst>
         </p:spPr>
@@ -8306,7 +8353,7 @@
           </a:ln>
           <a:extLst>
             <a:ext uri="{C572A759-6A51-4108-AA02-DFA0A04FC94B}">
-              <ma14:wrappingTextBoxFlag xmlns:ma14="http://schemas.microsoft.com/office/mac/drawingml/2011/main" xmlns:a14="http://schemas.microsoft.com/office/drawing/2010/main" xmlns:m="http://schemas.openxmlformats.org/officeDocument/2006/math" xmlns="" val="1"/>
+              <ma14:wrappingTextBoxFlag xmlns="" xmlns:m="http://schemas.openxmlformats.org/officeDocument/2006/math" xmlns:a14="http://schemas.microsoft.com/office/drawing/2010/main" xmlns:ma14="http://schemas.microsoft.com/office/mac/drawingml/2011/main" val="1"/>
             </a:ext>
           </a:extLst>
         </p:spPr>
@@ -8408,7 +8455,7 @@
           </a:ln>
           <a:extLst>
             <a:ext uri="{C572A759-6A51-4108-AA02-DFA0A04FC94B}">
-              <ma14:wrappingTextBoxFlag xmlns:ma14="http://schemas.microsoft.com/office/mac/drawingml/2011/main" xmlns:a14="http://schemas.microsoft.com/office/drawing/2010/main" xmlns:m="http://schemas.openxmlformats.org/officeDocument/2006/math" xmlns="" val="1"/>
+              <ma14:wrappingTextBoxFlag xmlns="" xmlns:m="http://schemas.openxmlformats.org/officeDocument/2006/math" xmlns:a14="http://schemas.microsoft.com/office/drawing/2010/main" xmlns:ma14="http://schemas.microsoft.com/office/mac/drawingml/2011/main" val="1"/>
             </a:ext>
           </a:extLst>
         </p:spPr>
@@ -8462,7 +8509,7 @@
           </a:ln>
           <a:extLst>
             <a:ext uri="{C572A759-6A51-4108-AA02-DFA0A04FC94B}">
-              <ma14:wrappingTextBoxFlag xmlns:ma14="http://schemas.microsoft.com/office/mac/drawingml/2011/main" xmlns:a14="http://schemas.microsoft.com/office/drawing/2010/main" xmlns:m="http://schemas.openxmlformats.org/officeDocument/2006/math" xmlns="" val="1"/>
+              <ma14:wrappingTextBoxFlag xmlns="" xmlns:m="http://schemas.openxmlformats.org/officeDocument/2006/math" xmlns:a14="http://schemas.microsoft.com/office/drawing/2010/main" xmlns:ma14="http://schemas.microsoft.com/office/mac/drawingml/2011/main" val="1"/>
             </a:ext>
           </a:extLst>
         </p:spPr>
@@ -8887,7 +8934,7 @@
           </a:ln>
           <a:extLst>
             <a:ext uri="{C572A759-6A51-4108-AA02-DFA0A04FC94B}">
-              <ma14:wrappingTextBoxFlag xmlns="" xmlns:m="http://schemas.openxmlformats.org/officeDocument/2006/math" xmlns:a14="http://schemas.microsoft.com/office/drawing/2010/main" xmlns:ma14="http://schemas.microsoft.com/office/mac/drawingml/2011/main" val="1"/>
+              <ma14:wrappingTextBoxFlag xmlns:ma14="http://schemas.microsoft.com/office/mac/drawingml/2011/main" xmlns:a14="http://schemas.microsoft.com/office/drawing/2010/main" xmlns:m="http://schemas.openxmlformats.org/officeDocument/2006/math" xmlns="" val="1"/>
             </a:ext>
           </a:extLst>
         </p:spPr>
@@ -9016,7 +9063,7 @@
           </a:prstGeom>
           <a:extLst>
             <a:ext uri="{C572A759-6A51-4108-AA02-DFA0A04FC94B}">
-              <ma14:wrappingTextBoxFlag xmlns="" xmlns:m="http://schemas.openxmlformats.org/officeDocument/2006/math" xmlns:a14="http://schemas.microsoft.com/office/drawing/2010/main" xmlns:ma14="http://schemas.microsoft.com/office/mac/drawingml/2011/main" val="1"/>
+              <ma14:wrappingTextBoxFlag xmlns:ma14="http://schemas.microsoft.com/office/mac/drawingml/2011/main" xmlns:a14="http://schemas.microsoft.com/office/drawing/2010/main" xmlns:m="http://schemas.openxmlformats.org/officeDocument/2006/math" xmlns="" val="1"/>
             </a:ext>
           </a:extLst>
         </p:spPr>
@@ -9050,7 +9097,7 @@
               </a:ext>
             </a:extLst>
           </a:blip>
-          <a:srcRect l="1780" r="1780"/>
+          <a:srcRect l="9908" r="9908"/>
           <a:stretch/>
         </p:blipFill>
         <p:spPr>
@@ -9385,7 +9432,7 @@
           </a:ln>
           <a:extLst>
             <a:ext uri="{C572A759-6A51-4108-AA02-DFA0A04FC94B}">
-              <ma14:wrappingTextBoxFlag xmlns="" xmlns:m="http://schemas.openxmlformats.org/officeDocument/2006/math" xmlns:a14="http://schemas.microsoft.com/office/drawing/2010/main" xmlns:ma14="http://schemas.microsoft.com/office/mac/drawingml/2011/main" val="1"/>
+              <ma14:wrappingTextBoxFlag xmlns:ma14="http://schemas.microsoft.com/office/mac/drawingml/2011/main" xmlns:a14="http://schemas.microsoft.com/office/drawing/2010/main" xmlns:m="http://schemas.openxmlformats.org/officeDocument/2006/math" xmlns="" val="1"/>
             </a:ext>
           </a:extLst>
         </p:spPr>
@@ -9452,7 +9499,7 @@
           </a:ln>
           <a:extLst>
             <a:ext uri="{C572A759-6A51-4108-AA02-DFA0A04FC94B}">
-              <ma14:wrappingTextBoxFlag xmlns="" xmlns:m="http://schemas.openxmlformats.org/officeDocument/2006/math" xmlns:a14="http://schemas.microsoft.com/office/drawing/2010/main" xmlns:ma14="http://schemas.microsoft.com/office/mac/drawingml/2011/main" val="1"/>
+              <ma14:wrappingTextBoxFlag xmlns:ma14="http://schemas.microsoft.com/office/mac/drawingml/2011/main" xmlns:a14="http://schemas.microsoft.com/office/drawing/2010/main" xmlns:m="http://schemas.openxmlformats.org/officeDocument/2006/math" xmlns="" val="1"/>
             </a:ext>
           </a:extLst>
         </p:spPr>
@@ -9689,7 +9736,7 @@
           </a:ln>
           <a:extLst>
             <a:ext uri="{C572A759-6A51-4108-AA02-DFA0A04FC94B}">
-              <ma14:wrappingTextBoxFlag xmlns:ma14="http://schemas.microsoft.com/office/mac/drawingml/2011/main" xmlns:a14="http://schemas.microsoft.com/office/drawing/2010/main" xmlns:m="http://schemas.openxmlformats.org/officeDocument/2006/math" xmlns="" val="1"/>
+              <ma14:wrappingTextBoxFlag xmlns="" xmlns:m="http://schemas.openxmlformats.org/officeDocument/2006/math" xmlns:a14="http://schemas.microsoft.com/office/drawing/2010/main" xmlns:ma14="http://schemas.microsoft.com/office/mac/drawingml/2011/main" val="1"/>
             </a:ext>
           </a:extLst>
         </p:spPr>
@@ -9743,7 +9790,7 @@
           </a:ln>
           <a:extLst>
             <a:ext uri="{C572A759-6A51-4108-AA02-DFA0A04FC94B}">
-              <ma14:wrappingTextBoxFlag xmlns:ma14="http://schemas.microsoft.com/office/mac/drawingml/2011/main" xmlns:a14="http://schemas.microsoft.com/office/drawing/2010/main" xmlns:m="http://schemas.openxmlformats.org/officeDocument/2006/math" xmlns="" val="1"/>
+              <ma14:wrappingTextBoxFlag xmlns="" xmlns:m="http://schemas.openxmlformats.org/officeDocument/2006/math" xmlns:a14="http://schemas.microsoft.com/office/drawing/2010/main" xmlns:ma14="http://schemas.microsoft.com/office/mac/drawingml/2011/main" val="1"/>
             </a:ext>
           </a:extLst>
         </p:spPr>
@@ -10385,7 +10432,7 @@
           </a:ln>
           <a:extLst>
             <a:ext uri="{C572A759-6A51-4108-AA02-DFA0A04FC94B}">
-              <ma14:wrappingTextBoxFlag xmlns="" xmlns:m="http://schemas.openxmlformats.org/officeDocument/2006/math" xmlns:a14="http://schemas.microsoft.com/office/drawing/2010/main" xmlns:ma14="http://schemas.microsoft.com/office/mac/drawingml/2011/main" val="1"/>
+              <ma14:wrappingTextBoxFlag xmlns:ma14="http://schemas.microsoft.com/office/mac/drawingml/2011/main" xmlns:a14="http://schemas.microsoft.com/office/drawing/2010/main" xmlns:m="http://schemas.openxmlformats.org/officeDocument/2006/math" xmlns="" val="1"/>
             </a:ext>
           </a:extLst>
         </p:spPr>
@@ -10495,7 +10542,7 @@
           </a:ln>
           <a:extLst>
             <a:ext uri="{C572A759-6A51-4108-AA02-DFA0A04FC94B}">
-              <ma14:wrappingTextBoxFlag xmlns:ma14="http://schemas.microsoft.com/office/mac/drawingml/2011/main" xmlns:a14="http://schemas.microsoft.com/office/drawing/2010/main" xmlns:m="http://schemas.openxmlformats.org/officeDocument/2006/math" xmlns="" val="1"/>
+              <ma14:wrappingTextBoxFlag xmlns="" xmlns:m="http://schemas.openxmlformats.org/officeDocument/2006/math" xmlns:a14="http://schemas.microsoft.com/office/drawing/2010/main" xmlns:ma14="http://schemas.microsoft.com/office/mac/drawingml/2011/main" val="1"/>
             </a:ext>
           </a:extLst>
         </p:spPr>
@@ -10549,7 +10596,7 @@
           </a:ln>
           <a:extLst>
             <a:ext uri="{C572A759-6A51-4108-AA02-DFA0A04FC94B}">
-              <ma14:wrappingTextBoxFlag xmlns:ma14="http://schemas.microsoft.com/office/mac/drawingml/2011/main" xmlns:a14="http://schemas.microsoft.com/office/drawing/2010/main" xmlns:m="http://schemas.openxmlformats.org/officeDocument/2006/math" xmlns="" val="1"/>
+              <ma14:wrappingTextBoxFlag xmlns="" xmlns:m="http://schemas.openxmlformats.org/officeDocument/2006/math" xmlns:a14="http://schemas.microsoft.com/office/drawing/2010/main" xmlns:ma14="http://schemas.microsoft.com/office/mac/drawingml/2011/main" val="1"/>
             </a:ext>
           </a:extLst>
         </p:spPr>
@@ -10717,7 +10764,7 @@
           </a:ln>
           <a:extLst>
             <a:ext uri="{C572A759-6A51-4108-AA02-DFA0A04FC94B}">
-              <ma14:wrappingTextBoxFlag xmlns="" xmlns:m="http://schemas.openxmlformats.org/officeDocument/2006/math" xmlns:a14="http://schemas.microsoft.com/office/drawing/2010/main" xmlns:ma14="http://schemas.microsoft.com/office/mac/drawingml/2011/main" val="1"/>
+              <ma14:wrappingTextBoxFlag xmlns:ma14="http://schemas.microsoft.com/office/mac/drawingml/2011/main" xmlns:a14="http://schemas.microsoft.com/office/drawing/2010/main" xmlns:m="http://schemas.openxmlformats.org/officeDocument/2006/math" xmlns="" val="1"/>
             </a:ext>
           </a:extLst>
         </p:spPr>
@@ -10902,7 +10949,7 @@
           </a:ln>
           <a:extLst>
             <a:ext uri="{C572A759-6A51-4108-AA02-DFA0A04FC94B}">
-              <ma14:wrappingTextBoxFlag xmlns:ma14="http://schemas.microsoft.com/office/mac/drawingml/2011/main" xmlns:a14="http://schemas.microsoft.com/office/drawing/2010/main" xmlns:m="http://schemas.openxmlformats.org/officeDocument/2006/math" xmlns="" val="1"/>
+              <ma14:wrappingTextBoxFlag xmlns="" xmlns:m="http://schemas.openxmlformats.org/officeDocument/2006/math" xmlns:a14="http://schemas.microsoft.com/office/drawing/2010/main" xmlns:ma14="http://schemas.microsoft.com/office/mac/drawingml/2011/main" val="1"/>
             </a:ext>
           </a:extLst>
         </p:spPr>
@@ -10956,7 +11003,7 @@
           </a:ln>
           <a:extLst>
             <a:ext uri="{C572A759-6A51-4108-AA02-DFA0A04FC94B}">
-              <ma14:wrappingTextBoxFlag xmlns:ma14="http://schemas.microsoft.com/office/mac/drawingml/2011/main" xmlns:a14="http://schemas.microsoft.com/office/drawing/2010/main" xmlns:m="http://schemas.openxmlformats.org/officeDocument/2006/math" xmlns="" val="1"/>
+              <ma14:wrappingTextBoxFlag xmlns="" xmlns:m="http://schemas.openxmlformats.org/officeDocument/2006/math" xmlns:a14="http://schemas.microsoft.com/office/drawing/2010/main" xmlns:ma14="http://schemas.microsoft.com/office/mac/drawingml/2011/main" val="1"/>
             </a:ext>
           </a:extLst>
         </p:spPr>
@@ -11097,7 +11144,7 @@
           </a:ln>
           <a:extLst>
             <a:ext uri="{C572A759-6A51-4108-AA02-DFA0A04FC94B}">
-              <ma14:wrappingTextBoxFlag xmlns:ma14="http://schemas.microsoft.com/office/mac/drawingml/2011/main" xmlns:a14="http://schemas.microsoft.com/office/drawing/2010/main" xmlns:m="http://schemas.openxmlformats.org/officeDocument/2006/math" xmlns="" val="1"/>
+              <ma14:wrappingTextBoxFlag xmlns="" xmlns:m="http://schemas.openxmlformats.org/officeDocument/2006/math" xmlns:a14="http://schemas.microsoft.com/office/drawing/2010/main" xmlns:ma14="http://schemas.microsoft.com/office/mac/drawingml/2011/main" val="1"/>
             </a:ext>
           </a:extLst>
         </p:spPr>
@@ -11160,7 +11207,7 @@
           </a:ln>
           <a:extLst>
             <a:ext uri="{C572A759-6A51-4108-AA02-DFA0A04FC94B}">
-              <ma14:wrappingTextBoxFlag xmlns="" xmlns:m="http://schemas.openxmlformats.org/officeDocument/2006/math" xmlns:a14="http://schemas.microsoft.com/office/drawing/2010/main" xmlns:ma14="http://schemas.microsoft.com/office/mac/drawingml/2011/main" val="1"/>
+              <ma14:wrappingTextBoxFlag xmlns:ma14="http://schemas.microsoft.com/office/mac/drawingml/2011/main" xmlns:a14="http://schemas.microsoft.com/office/drawing/2010/main" xmlns:m="http://schemas.openxmlformats.org/officeDocument/2006/math" xmlns="" val="1"/>
             </a:ext>
           </a:extLst>
         </p:spPr>
@@ -11314,7 +11361,7 @@
           </a:ln>
           <a:extLst>
             <a:ext uri="{C572A759-6A51-4108-AA02-DFA0A04FC94B}">
-              <ma14:wrappingTextBoxFlag xmlns="" xmlns:m="http://schemas.openxmlformats.org/officeDocument/2006/math" xmlns:a14="http://schemas.microsoft.com/office/drawing/2010/main" xmlns:ma14="http://schemas.microsoft.com/office/mac/drawingml/2011/main" val="1"/>
+              <ma14:wrappingTextBoxFlag xmlns:ma14="http://schemas.microsoft.com/office/mac/drawingml/2011/main" xmlns:a14="http://schemas.microsoft.com/office/drawing/2010/main" xmlns:m="http://schemas.openxmlformats.org/officeDocument/2006/math" xmlns="" val="1"/>
             </a:ext>
           </a:extLst>
         </p:spPr>
@@ -11377,7 +11424,7 @@
           </a:ln>
           <a:extLst>
             <a:ext uri="{C572A759-6A51-4108-AA02-DFA0A04FC94B}">
-              <ma14:wrappingTextBoxFlag xmlns="" xmlns:m="http://schemas.openxmlformats.org/officeDocument/2006/math" xmlns:a14="http://schemas.microsoft.com/office/drawing/2010/main" xmlns:ma14="http://schemas.microsoft.com/office/mac/drawingml/2011/main" val="1"/>
+              <ma14:wrappingTextBoxFlag xmlns:ma14="http://schemas.microsoft.com/office/mac/drawingml/2011/main" xmlns:a14="http://schemas.microsoft.com/office/drawing/2010/main" xmlns:m="http://schemas.openxmlformats.org/officeDocument/2006/math" xmlns="" val="1"/>
             </a:ext>
           </a:extLst>
         </p:spPr>
@@ -12208,7 +12255,7 @@
           </a:ln>
           <a:extLst>
             <a:ext uri="{C572A759-6A51-4108-AA02-DFA0A04FC94B}">
-              <ma14:wrappingTextBoxFlag xmlns:ma14="http://schemas.microsoft.com/office/mac/drawingml/2011/main" xmlns:a14="http://schemas.microsoft.com/office/drawing/2010/main" xmlns:m="http://schemas.openxmlformats.org/officeDocument/2006/math" xmlns="" val="1"/>
+              <ma14:wrappingTextBoxFlag xmlns="" xmlns:m="http://schemas.openxmlformats.org/officeDocument/2006/math" xmlns:a14="http://schemas.microsoft.com/office/drawing/2010/main" xmlns:ma14="http://schemas.microsoft.com/office/mac/drawingml/2011/main" val="1"/>
             </a:ext>
           </a:extLst>
         </p:spPr>
@@ -12297,7 +12344,7 @@
           </a:prstGeom>
           <a:extLst>
             <a:ext uri="{C572A759-6A51-4108-AA02-DFA0A04FC94B}">
-              <ma14:wrappingTextBoxFlag xmlns:ma14="http://schemas.microsoft.com/office/mac/drawingml/2011/main" xmlns:a14="http://schemas.microsoft.com/office/drawing/2010/main" xmlns:m="http://schemas.openxmlformats.org/officeDocument/2006/math" xmlns="" val="1"/>
+              <ma14:wrappingTextBoxFlag xmlns="" xmlns:m="http://schemas.openxmlformats.org/officeDocument/2006/math" xmlns:a14="http://schemas.microsoft.com/office/drawing/2010/main" xmlns:ma14="http://schemas.microsoft.com/office/mac/drawingml/2011/main" val="1"/>
             </a:ext>
           </a:extLst>
         </p:spPr>
@@ -12827,7 +12874,7 @@
           </a:ln>
           <a:extLst>
             <a:ext uri="{C572A759-6A51-4108-AA02-DFA0A04FC94B}">
-              <ma14:wrappingTextBoxFlag xmlns:ma14="http://schemas.microsoft.com/office/mac/drawingml/2011/main" xmlns:a14="http://schemas.microsoft.com/office/drawing/2010/main" xmlns:m="http://schemas.openxmlformats.org/officeDocument/2006/math" xmlns="" val="1"/>
+              <ma14:wrappingTextBoxFlag xmlns="" xmlns:m="http://schemas.openxmlformats.org/officeDocument/2006/math" xmlns:a14="http://schemas.microsoft.com/office/drawing/2010/main" xmlns:ma14="http://schemas.microsoft.com/office/mac/drawingml/2011/main" val="1"/>
             </a:ext>
           </a:extLst>
         </p:spPr>
@@ -13175,7 +13222,7 @@
           </a:ln>
           <a:extLst>
             <a:ext uri="{C572A759-6A51-4108-AA02-DFA0A04FC94B}">
-              <ma14:wrappingTextBoxFlag xmlns:ma14="http://schemas.microsoft.com/office/mac/drawingml/2011/main" xmlns:a14="http://schemas.microsoft.com/office/drawing/2010/main" xmlns:m="http://schemas.openxmlformats.org/officeDocument/2006/math" xmlns="" val="1"/>
+              <ma14:wrappingTextBoxFlag xmlns="" xmlns:m="http://schemas.openxmlformats.org/officeDocument/2006/math" xmlns:a14="http://schemas.microsoft.com/office/drawing/2010/main" xmlns:ma14="http://schemas.microsoft.com/office/mac/drawingml/2011/main" val="1"/>
             </a:ext>
           </a:extLst>
         </p:spPr>
@@ -13216,7 +13263,7 @@
         <p:spPr>
           <a:xfrm>
             <a:off x="1486931" y="393894"/>
-            <a:ext cx="1759454" cy="830997"/>
+            <a:ext cx="2306079" cy="830997"/>
           </a:xfrm>
           <a:prstGeom prst="rect">
             <a:avLst/>
@@ -13226,7 +13273,7 @@
           </a:ln>
           <a:extLst>
             <a:ext uri="{C572A759-6A51-4108-AA02-DFA0A04FC94B}">
-              <ma14:wrappingTextBoxFlag xmlns="" xmlns:m="http://schemas.openxmlformats.org/officeDocument/2006/math" xmlns:a14="http://schemas.microsoft.com/office/drawing/2010/main" xmlns:ma14="http://schemas.microsoft.com/office/mac/drawingml/2011/main" val="1"/>
+              <ma14:wrappingTextBoxFlag xmlns:ma14="http://schemas.microsoft.com/office/mac/drawingml/2011/main" xmlns:a14="http://schemas.microsoft.com/office/drawing/2010/main" xmlns:m="http://schemas.openxmlformats.org/officeDocument/2006/math" xmlns="" val="1"/>
             </a:ext>
           </a:extLst>
         </p:spPr>
@@ -13250,8 +13297,8 @@
           <a:p>
             <a:pPr algn="l"/>
             <a:r>
-              <a:rPr lang="pt-BR" dirty="0" err="1"/>
-              <a:t>Indice</a:t>
+              <a:rPr lang="pt-BR" dirty="0"/>
+              <a:t>Sumário</a:t>
             </a:r>
             <a:endParaRPr lang="pt-BR" sz="4800" b="1" i="0" dirty="0">
               <a:ln>
@@ -13324,7 +13371,7 @@
           </a:ln>
           <a:extLst>
             <a:ext uri="{C572A759-6A51-4108-AA02-DFA0A04FC94B}">
-              <ma14:wrappingTextBoxFlag xmlns="" xmlns:m="http://schemas.openxmlformats.org/officeDocument/2006/math" xmlns:a14="http://schemas.microsoft.com/office/drawing/2010/main" xmlns:ma14="http://schemas.microsoft.com/office/mac/drawingml/2011/main" val="1"/>
+              <ma14:wrappingTextBoxFlag xmlns:ma14="http://schemas.microsoft.com/office/mac/drawingml/2011/main" xmlns:a14="http://schemas.microsoft.com/office/drawing/2010/main" xmlns:m="http://schemas.openxmlformats.org/officeDocument/2006/math" xmlns="" val="1"/>
             </a:ext>
           </a:extLst>
         </p:spPr>
@@ -13375,7 +13422,7 @@
           </a:ln>
           <a:extLst>
             <a:ext uri="{C572A759-6A51-4108-AA02-DFA0A04FC94B}">
-              <ma14:wrappingTextBoxFlag xmlns:ma14="http://schemas.microsoft.com/office/mac/drawingml/2011/main" xmlns:a14="http://schemas.microsoft.com/office/drawing/2010/main" xmlns:m="http://schemas.openxmlformats.org/officeDocument/2006/math" xmlns="" val="1"/>
+              <ma14:wrappingTextBoxFlag xmlns="" xmlns:m="http://schemas.openxmlformats.org/officeDocument/2006/math" xmlns:a14="http://schemas.microsoft.com/office/drawing/2010/main" xmlns:ma14="http://schemas.microsoft.com/office/mac/drawingml/2011/main" val="1"/>
             </a:ext>
           </a:extLst>
         </p:spPr>
@@ -13442,7 +13489,7 @@
           </a:ln>
           <a:extLst>
             <a:ext uri="{C572A759-6A51-4108-AA02-DFA0A04FC94B}">
-              <ma14:wrappingTextBoxFlag xmlns="" xmlns:m="http://schemas.openxmlformats.org/officeDocument/2006/math" xmlns:a14="http://schemas.microsoft.com/office/drawing/2010/main" xmlns:ma14="http://schemas.microsoft.com/office/mac/drawingml/2011/main" val="1"/>
+              <ma14:wrappingTextBoxFlag xmlns:ma14="http://schemas.microsoft.com/office/mac/drawingml/2011/main" xmlns:a14="http://schemas.microsoft.com/office/drawing/2010/main" xmlns:m="http://schemas.openxmlformats.org/officeDocument/2006/math" xmlns="" val="1"/>
             </a:ext>
           </a:extLst>
         </p:spPr>
@@ -13521,7 +13568,7 @@
           </a:ln>
           <a:extLst>
             <a:ext uri="{C572A759-6A51-4108-AA02-DFA0A04FC94B}">
-              <ma14:wrappingTextBoxFlag xmlns="" xmlns:m="http://schemas.openxmlformats.org/officeDocument/2006/math" xmlns:a14="http://schemas.microsoft.com/office/drawing/2010/main" xmlns:ma14="http://schemas.microsoft.com/office/mac/drawingml/2011/main" val="1"/>
+              <ma14:wrappingTextBoxFlag xmlns:ma14="http://schemas.microsoft.com/office/mac/drawingml/2011/main" xmlns:a14="http://schemas.microsoft.com/office/drawing/2010/main" xmlns:m="http://schemas.openxmlformats.org/officeDocument/2006/math" xmlns="" val="1"/>
             </a:ext>
           </a:extLst>
         </p:spPr>
@@ -13615,7 +13662,7 @@
           </a:ln>
           <a:extLst>
             <a:ext uri="{C572A759-6A51-4108-AA02-DFA0A04FC94B}">
-              <ma14:wrappingTextBoxFlag xmlns:ma14="http://schemas.microsoft.com/office/mac/drawingml/2011/main" xmlns:a14="http://schemas.microsoft.com/office/drawing/2010/main" xmlns:m="http://schemas.openxmlformats.org/officeDocument/2006/math" xmlns="" val="1"/>
+              <ma14:wrappingTextBoxFlag xmlns="" xmlns:m="http://schemas.openxmlformats.org/officeDocument/2006/math" xmlns:a14="http://schemas.microsoft.com/office/drawing/2010/main" xmlns:ma14="http://schemas.microsoft.com/office/mac/drawingml/2011/main" val="1"/>
             </a:ext>
           </a:extLst>
         </p:spPr>
@@ -13666,7 +13713,7 @@
           </a:ln>
           <a:extLst>
             <a:ext uri="{C572A759-6A51-4108-AA02-DFA0A04FC94B}">
-              <ma14:wrappingTextBoxFlag xmlns="" xmlns:m="http://schemas.openxmlformats.org/officeDocument/2006/math" xmlns:a14="http://schemas.microsoft.com/office/drawing/2010/main" xmlns:ma14="http://schemas.microsoft.com/office/mac/drawingml/2011/main" val="1"/>
+              <ma14:wrappingTextBoxFlag xmlns:ma14="http://schemas.microsoft.com/office/mac/drawingml/2011/main" xmlns:a14="http://schemas.microsoft.com/office/drawing/2010/main" xmlns:m="http://schemas.openxmlformats.org/officeDocument/2006/math" xmlns="" val="1"/>
             </a:ext>
           </a:extLst>
         </p:spPr>
@@ -13733,7 +13780,7 @@
           </a:ln>
           <a:extLst>
             <a:ext uri="{C572A759-6A51-4108-AA02-DFA0A04FC94B}">
-              <ma14:wrappingTextBoxFlag xmlns:ma14="http://schemas.microsoft.com/office/mac/drawingml/2011/main" xmlns:a14="http://schemas.microsoft.com/office/drawing/2010/main" xmlns:m="http://schemas.openxmlformats.org/officeDocument/2006/math" xmlns="" val="1"/>
+              <ma14:wrappingTextBoxFlag xmlns="" xmlns:m="http://schemas.openxmlformats.org/officeDocument/2006/math" xmlns:a14="http://schemas.microsoft.com/office/drawing/2010/main" xmlns:ma14="http://schemas.microsoft.com/office/mac/drawingml/2011/main" val="1"/>
             </a:ext>
           </a:extLst>
         </p:spPr>
@@ -14007,7 +14054,7 @@
           </a:ln>
           <a:extLst>
             <a:ext uri="{C572A759-6A51-4108-AA02-DFA0A04FC94B}">
-              <ma14:wrappingTextBoxFlag xmlns:ma14="http://schemas.microsoft.com/office/mac/drawingml/2011/main" xmlns:a14="http://schemas.microsoft.com/office/drawing/2010/main" xmlns:m="http://schemas.openxmlformats.org/officeDocument/2006/math" xmlns="" val="1"/>
+              <ma14:wrappingTextBoxFlag xmlns="" xmlns:m="http://schemas.openxmlformats.org/officeDocument/2006/math" xmlns:a14="http://schemas.microsoft.com/office/drawing/2010/main" xmlns:ma14="http://schemas.microsoft.com/office/mac/drawingml/2011/main" val="1"/>
             </a:ext>
           </a:extLst>
         </p:spPr>
@@ -14058,7 +14105,7 @@
           </a:ln>
           <a:extLst>
             <a:ext uri="{C572A759-6A51-4108-AA02-DFA0A04FC94B}">
-              <ma14:wrappingTextBoxFlag xmlns="" xmlns:m="http://schemas.openxmlformats.org/officeDocument/2006/math" xmlns:a14="http://schemas.microsoft.com/office/drawing/2010/main" xmlns:ma14="http://schemas.microsoft.com/office/mac/drawingml/2011/main" val="1"/>
+              <ma14:wrappingTextBoxFlag xmlns:ma14="http://schemas.microsoft.com/office/mac/drawingml/2011/main" xmlns:a14="http://schemas.microsoft.com/office/drawing/2010/main" xmlns:m="http://schemas.openxmlformats.org/officeDocument/2006/math" xmlns="" val="1"/>
             </a:ext>
           </a:extLst>
         </p:spPr>
@@ -14125,7 +14172,7 @@
           </a:ln>
           <a:extLst>
             <a:ext uri="{C572A759-6A51-4108-AA02-DFA0A04FC94B}">
-              <ma14:wrappingTextBoxFlag xmlns:ma14="http://schemas.microsoft.com/office/mac/drawingml/2011/main" xmlns:a14="http://schemas.microsoft.com/office/drawing/2010/main" xmlns:m="http://schemas.openxmlformats.org/officeDocument/2006/math" xmlns="" val="1"/>
+              <ma14:wrappingTextBoxFlag xmlns="" xmlns:m="http://schemas.openxmlformats.org/officeDocument/2006/math" xmlns:a14="http://schemas.microsoft.com/office/drawing/2010/main" xmlns:ma14="http://schemas.microsoft.com/office/mac/drawingml/2011/main" val="1"/>
             </a:ext>
           </a:extLst>
         </p:spPr>
@@ -14188,7 +14235,7 @@
           </a:ln>
           <a:extLst>
             <a:ext uri="{C572A759-6A51-4108-AA02-DFA0A04FC94B}">
-              <ma14:wrappingTextBoxFlag xmlns:ma14="http://schemas.microsoft.com/office/mac/drawingml/2011/main" xmlns:a14="http://schemas.microsoft.com/office/drawing/2010/main" xmlns:m="http://schemas.openxmlformats.org/officeDocument/2006/math" xmlns="" val="1"/>
+              <ma14:wrappingTextBoxFlag xmlns="" xmlns:m="http://schemas.openxmlformats.org/officeDocument/2006/math" xmlns:a14="http://schemas.microsoft.com/office/drawing/2010/main" xmlns:ma14="http://schemas.microsoft.com/office/mac/drawingml/2011/main" val="1"/>
             </a:ext>
           </a:extLst>
         </p:spPr>
@@ -14430,7 +14477,7 @@
           </a:ln>
           <a:extLst>
             <a:ext uri="{C572A759-6A51-4108-AA02-DFA0A04FC94B}">
-              <ma14:wrappingTextBoxFlag xmlns="" xmlns:m="http://schemas.openxmlformats.org/officeDocument/2006/math" xmlns:a14="http://schemas.microsoft.com/office/drawing/2010/main" xmlns:ma14="http://schemas.microsoft.com/office/mac/drawingml/2011/main" val="1"/>
+              <ma14:wrappingTextBoxFlag xmlns:ma14="http://schemas.microsoft.com/office/mac/drawingml/2011/main" xmlns:a14="http://schemas.microsoft.com/office/drawing/2010/main" xmlns:m="http://schemas.openxmlformats.org/officeDocument/2006/math" xmlns="" val="1"/>
             </a:ext>
           </a:extLst>
         </p:spPr>
@@ -14481,7 +14528,7 @@
           </a:ln>
           <a:extLst>
             <a:ext uri="{C572A759-6A51-4108-AA02-DFA0A04FC94B}">
-              <ma14:wrappingTextBoxFlag xmlns:ma14="http://schemas.microsoft.com/office/mac/drawingml/2011/main" xmlns:a14="http://schemas.microsoft.com/office/drawing/2010/main" xmlns:m="http://schemas.openxmlformats.org/officeDocument/2006/math" xmlns="" val="1"/>
+              <ma14:wrappingTextBoxFlag xmlns="" xmlns:m="http://schemas.openxmlformats.org/officeDocument/2006/math" xmlns:a14="http://schemas.microsoft.com/office/drawing/2010/main" xmlns:ma14="http://schemas.microsoft.com/office/mac/drawingml/2011/main" val="1"/>
             </a:ext>
           </a:extLst>
         </p:spPr>
@@ -14611,7 +14658,7 @@
           </a:ln>
           <a:extLst>
             <a:ext uri="{C572A759-6A51-4108-AA02-DFA0A04FC94B}">
-              <ma14:wrappingTextBoxFlag xmlns="" xmlns:m="http://schemas.openxmlformats.org/officeDocument/2006/math" xmlns:a14="http://schemas.microsoft.com/office/drawing/2010/main" xmlns:ma14="http://schemas.microsoft.com/office/mac/drawingml/2011/main" val="1"/>
+              <ma14:wrappingTextBoxFlag xmlns:ma14="http://schemas.microsoft.com/office/mac/drawingml/2011/main" xmlns:a14="http://schemas.microsoft.com/office/drawing/2010/main" xmlns:m="http://schemas.openxmlformats.org/officeDocument/2006/math" xmlns="" val="1"/>
             </a:ext>
           </a:extLst>
         </p:spPr>
@@ -14662,7 +14709,7 @@
           </a:ln>
           <a:extLst>
             <a:ext uri="{C572A759-6A51-4108-AA02-DFA0A04FC94B}">
-              <ma14:wrappingTextBoxFlag xmlns:ma14="http://schemas.microsoft.com/office/mac/drawingml/2011/main" xmlns:a14="http://schemas.microsoft.com/office/drawing/2010/main" xmlns:m="http://schemas.openxmlformats.org/officeDocument/2006/math" xmlns="" val="1"/>
+              <ma14:wrappingTextBoxFlag xmlns="" xmlns:m="http://schemas.openxmlformats.org/officeDocument/2006/math" xmlns:a14="http://schemas.microsoft.com/office/drawing/2010/main" xmlns:ma14="http://schemas.microsoft.com/office/mac/drawingml/2011/main" val="1"/>
             </a:ext>
           </a:extLst>
         </p:spPr>
@@ -14729,7 +14776,7 @@
           </a:ln>
           <a:extLst>
             <a:ext uri="{C572A759-6A51-4108-AA02-DFA0A04FC94B}">
-              <ma14:wrappingTextBoxFlag xmlns="" xmlns:m="http://schemas.openxmlformats.org/officeDocument/2006/math" xmlns:a14="http://schemas.microsoft.com/office/drawing/2010/main" xmlns:ma14="http://schemas.microsoft.com/office/mac/drawingml/2011/main" val="1"/>
+              <ma14:wrappingTextBoxFlag xmlns:ma14="http://schemas.microsoft.com/office/mac/drawingml/2011/main" xmlns:a14="http://schemas.microsoft.com/office/drawing/2010/main" xmlns:m="http://schemas.openxmlformats.org/officeDocument/2006/math" xmlns="" val="1"/>
             </a:ext>
           </a:extLst>
         </p:spPr>
@@ -14913,7 +14960,7 @@
           </a:ln>
           <a:extLst>
             <a:ext uri="{C572A759-6A51-4108-AA02-DFA0A04FC94B}">
-              <ma14:wrappingTextBoxFlag xmlns:ma14="http://schemas.microsoft.com/office/mac/drawingml/2011/main" xmlns:a14="http://schemas.microsoft.com/office/drawing/2010/main" xmlns:m="http://schemas.openxmlformats.org/officeDocument/2006/math" xmlns="" val="1"/>
+              <ma14:wrappingTextBoxFlag xmlns="" xmlns:m="http://schemas.openxmlformats.org/officeDocument/2006/math" xmlns:a14="http://schemas.microsoft.com/office/drawing/2010/main" xmlns:ma14="http://schemas.microsoft.com/office/mac/drawingml/2011/main" val="1"/>
             </a:ext>
           </a:extLst>
         </p:spPr>
@@ -14964,7 +15011,7 @@
           </a:ln>
           <a:extLst>
             <a:ext uri="{C572A759-6A51-4108-AA02-DFA0A04FC94B}">
-              <ma14:wrappingTextBoxFlag xmlns:ma14="http://schemas.microsoft.com/office/mac/drawingml/2011/main" xmlns:a14="http://schemas.microsoft.com/office/drawing/2010/main" xmlns:m="http://schemas.openxmlformats.org/officeDocument/2006/math" xmlns="" val="1"/>
+              <ma14:wrappingTextBoxFlag xmlns="" xmlns:m="http://schemas.openxmlformats.org/officeDocument/2006/math" xmlns:a14="http://schemas.microsoft.com/office/drawing/2010/main" xmlns:ma14="http://schemas.microsoft.com/office/mac/drawingml/2011/main" val="1"/>
             </a:ext>
           </a:extLst>
         </p:spPr>
@@ -15023,7 +15070,7 @@
           </a:ln>
           <a:extLst>
             <a:ext uri="{C572A759-6A51-4108-AA02-DFA0A04FC94B}">
-              <ma14:wrappingTextBoxFlag xmlns:ma14="http://schemas.microsoft.com/office/mac/drawingml/2011/main" xmlns:a14="http://schemas.microsoft.com/office/drawing/2010/main" xmlns:m="http://schemas.openxmlformats.org/officeDocument/2006/math" xmlns="" val="1"/>
+              <ma14:wrappingTextBoxFlag xmlns="" xmlns:m="http://schemas.openxmlformats.org/officeDocument/2006/math" xmlns:a14="http://schemas.microsoft.com/office/drawing/2010/main" xmlns:ma14="http://schemas.microsoft.com/office/mac/drawingml/2011/main" val="1"/>
             </a:ext>
           </a:extLst>
         </p:spPr>
